--- a/mlu-dlti/Lessons/DEV_MLUDTI-EN-M1-L3.pptx
+++ b/mlu-dlti/Lessons/DEV_MLUDTI-EN-M1-L3.pptx
@@ -330,7 +330,7 @@
           <a:p>
             <a:fld id="{E2DE0DCE-9084-4D2A-91DF-5F95FFEA5A05}" type="datetimeFigureOut">
               <a:rPr lang="en-US" smtClean="0"/>
-              <a:t>5/5/25</a:t>
+              <a:t>7/15/25</a:t>
             </a:fld>
             <a:endParaRPr lang="en-US" dirty="0"/>
           </a:p>
@@ -6997,7 +6997,7 @@
           <a:p>
             <a:fld id="{7A23B299-770E-944D-93F4-4C28459DC274}" type="datetimeFigureOut">
               <a:rPr lang="en-US" smtClean="0"/>
-              <a:t>5/5/25</a:t>
+              <a:t>7/15/25</a:t>
             </a:fld>
             <a:endParaRPr lang="en-US"/>
           </a:p>
@@ -8056,8 +8056,8 @@
           </a:p>
         </p:txBody>
       </p:sp>
-      <mc:AlternateContent xmlns:mc="http://schemas.openxmlformats.org/markup-compatibility/2006">
-        <mc:Choice xmlns:a14="http://schemas.microsoft.com/office/drawing/2010/main" Requires="a14">
+      <mc:AlternateContent xmlns:mc="http://schemas.openxmlformats.org/markup-compatibility/2006" xmlns:a14="http://schemas.microsoft.com/office/drawing/2010/main">
+        <mc:Choice Requires="a14">
           <p:sp>
             <p:nvSpPr>
               <p:cNvPr id="3" name="Content Placeholder 2">
@@ -8446,7 +8446,7 @@
             </p:txBody>
           </p:sp>
         </mc:Choice>
-        <mc:Fallback>
+        <mc:Fallback xmlns="">
           <p:sp>
             <p:nvSpPr>
               <p:cNvPr id="3" name="Content Placeholder 2">
@@ -9180,7 +9180,12 @@
             <p:ph idx="2"/>
           </p:nvPr>
         </p:nvSpPr>
-        <p:spPr/>
+        <p:spPr>
+          <a:xfrm>
+            <a:off x="365760" y="1165536"/>
+            <a:ext cx="5358382" cy="5262696"/>
+          </a:xfrm>
+        </p:spPr>
         <p:txBody>
           <a:bodyPr/>
           <a:lstStyle/>
@@ -9213,155 +9218,176 @@
           </a:p>
         </p:txBody>
       </p:sp>
-      <p:pic>
-        <p:nvPicPr>
-          <p:cNvPr id="4" name="Graphic 3" descr="Plot of training and validation against epoch. Over 500 epics, the best fit is reached before the fiftieth epoch.">
+      <p:grpSp>
+        <p:nvGrpSpPr>
+          <p:cNvPr id="9" name="Group 8">
             <a:extLst>
               <a:ext uri="{FF2B5EF4-FFF2-40B4-BE49-F238E27FC236}">
-                <a16:creationId xmlns:a16="http://schemas.microsoft.com/office/drawing/2014/main" id="{F4FAB574-05D8-A657-A244-B076DB38BC42}"/>
+                <a16:creationId xmlns:a16="http://schemas.microsoft.com/office/drawing/2014/main" id="{8D581017-80B5-E001-CB22-5ACE120B7D38}"/>
               </a:ext>
             </a:extLst>
           </p:cNvPr>
-          <p:cNvPicPr>
-            <a:picLocks noChangeAspect="1"/>
-          </p:cNvPicPr>
+          <p:cNvGrpSpPr/>
           <p:nvPr/>
-        </p:nvPicPr>
-        <p:blipFill>
-          <a:blip r:embed="rId4">
-            <a:extLst>
-              <a:ext uri="{28A0092B-C50C-407E-A947-70E740481C1C}">
-                <a14:useLocalDpi xmlns:a14="http://schemas.microsoft.com/office/drawing/2010/main" val="0"/>
-              </a:ext>
-              <a:ext uri="{96DAC541-7B7A-43D3-8B79-37D633B846F1}">
-                <asvg:svgBlip xmlns:asvg="http://schemas.microsoft.com/office/drawing/2016/SVG/main" r:embed="rId5"/>
-              </a:ext>
-            </a:extLst>
-          </a:blip>
-          <a:stretch>
-            <a:fillRect/>
-          </a:stretch>
-        </p:blipFill>
-        <p:spPr>
+        </p:nvGrpSpPr>
+        <p:grpSpPr>
           <a:xfrm>
-            <a:off x="5497689" y="1565447"/>
-            <a:ext cx="6694311" cy="4462874"/>
+            <a:off x="5724142" y="1565447"/>
+            <a:ext cx="6467858" cy="4462874"/>
+            <a:chOff x="5497689" y="1565447"/>
+            <a:chExt cx="6694311" cy="4462874"/>
           </a:xfrm>
-          <a:prstGeom prst="rect">
-            <a:avLst/>
-          </a:prstGeom>
-          <a:effectLst/>
-        </p:spPr>
-      </p:pic>
-      <p:cxnSp>
-        <p:nvCxnSpPr>
-          <p:cNvPr id="7" name="Straight Arrow Connector 6" descr="Arrow indicating the point where validation loss is the smallest, which indicates the best fit.">
-            <a:extLst>
-              <a:ext uri="{FF2B5EF4-FFF2-40B4-BE49-F238E27FC236}">
-                <a16:creationId xmlns:a16="http://schemas.microsoft.com/office/drawing/2014/main" id="{4C626BB2-240B-11C0-236B-54A52C3EB1A5}"/>
-              </a:ext>
-            </a:extLst>
-          </p:cNvPr>
-          <p:cNvCxnSpPr>
-            <a:cxnSpLocks/>
-          </p:cNvCxnSpPr>
-          <p:nvPr/>
-        </p:nvCxnSpPr>
-        <p:spPr>
-          <a:xfrm flipV="1">
-            <a:off x="6813260" y="3736467"/>
-            <a:ext cx="0" cy="892066"/>
-          </a:xfrm>
-          <a:prstGeom prst="straightConnector1">
-            <a:avLst/>
-          </a:prstGeom>
-          <a:noFill/>
-          <a:ln w="25400" cap="flat">
-            <a:solidFill>
-              <a:srgbClr val="000000"/>
-            </a:solidFill>
-            <a:prstDash val="solid"/>
-            <a:miter lim="400000"/>
-            <a:tailEnd type="triangle"/>
-          </a:ln>
-          <a:effectLst/>
-          <a:sp3d/>
-        </p:spPr>
-        <p:style>
-          <a:lnRef idx="0">
-            <a:scrgbClr r="0" g="0" b="0"/>
-          </a:lnRef>
-          <a:fillRef idx="0">
-            <a:scrgbClr r="0" g="0" b="0"/>
-          </a:fillRef>
-          <a:effectRef idx="0">
-            <a:scrgbClr r="0" g="0" b="0"/>
-          </a:effectRef>
-          <a:fontRef idx="none"/>
-        </p:style>
-      </p:cxnSp>
-      <p:sp>
-        <p:nvSpPr>
-          <p:cNvPr id="8" name="TextBox 7">
-            <a:extLst>
-              <a:ext uri="{FF2B5EF4-FFF2-40B4-BE49-F238E27FC236}">
-                <a16:creationId xmlns:a16="http://schemas.microsoft.com/office/drawing/2014/main" id="{969F0682-FB65-93E6-4A82-34441396AB4A}"/>
-              </a:ext>
-            </a:extLst>
-          </p:cNvPr>
-          <p:cNvSpPr txBox="1"/>
-          <p:nvPr/>
-        </p:nvSpPr>
-        <p:spPr>
-          <a:xfrm>
-            <a:off x="6333068" y="4605449"/>
-            <a:ext cx="922283" cy="328295"/>
-          </a:xfrm>
-          <a:prstGeom prst="rect">
-            <a:avLst/>
-          </a:prstGeom>
-          <a:noFill/>
-          <a:ln w="12700" cap="flat">
+        </p:grpSpPr>
+        <p:pic>
+          <p:nvPicPr>
+            <p:cNvPr id="4" name="Graphic 3" descr="Plot of training and validation against epoch. Over 500 epics, the best fit is reached before the fiftieth epoch.">
+              <a:extLst>
+                <a:ext uri="{FF2B5EF4-FFF2-40B4-BE49-F238E27FC236}">
+                  <a16:creationId xmlns:a16="http://schemas.microsoft.com/office/drawing/2014/main" id="{F4FAB574-05D8-A657-A244-B076DB38BC42}"/>
+                </a:ext>
+              </a:extLst>
+            </p:cNvPr>
+            <p:cNvPicPr>
+              <a:picLocks noChangeAspect="1"/>
+            </p:cNvPicPr>
+            <p:nvPr/>
+          </p:nvPicPr>
+          <p:blipFill>
+            <a:blip r:embed="rId4">
+              <a:extLst>
+                <a:ext uri="{28A0092B-C50C-407E-A947-70E740481C1C}">
+                  <a14:useLocalDpi xmlns:a14="http://schemas.microsoft.com/office/drawing/2010/main" val="0"/>
+                </a:ext>
+                <a:ext uri="{96DAC541-7B7A-43D3-8B79-37D633B846F1}">
+                  <asvg:svgBlip xmlns:asvg="http://schemas.microsoft.com/office/drawing/2016/SVG/main" r:embed="rId5"/>
+                </a:ext>
+              </a:extLst>
+            </a:blip>
+            <a:stretch>
+              <a:fillRect/>
+            </a:stretch>
+          </p:blipFill>
+          <p:spPr>
+            <a:xfrm>
+              <a:off x="5497689" y="1565447"/>
+              <a:ext cx="6694311" cy="4462874"/>
+            </a:xfrm>
+            <a:prstGeom prst="rect">
+              <a:avLst/>
+            </a:prstGeom>
+            <a:effectLst/>
+          </p:spPr>
+        </p:pic>
+        <p:cxnSp>
+          <p:nvCxnSpPr>
+            <p:cNvPr id="7" name="Straight Arrow Connector 6" descr="Arrow indicating the point where validation loss is the smallest, which indicates the best fit.">
+              <a:extLst>
+                <a:ext uri="{FF2B5EF4-FFF2-40B4-BE49-F238E27FC236}">
+                  <a16:creationId xmlns:a16="http://schemas.microsoft.com/office/drawing/2014/main" id="{4C626BB2-240B-11C0-236B-54A52C3EB1A5}"/>
+                </a:ext>
+              </a:extLst>
+            </p:cNvPr>
+            <p:cNvCxnSpPr>
+              <a:cxnSpLocks/>
+            </p:cNvCxnSpPr>
+            <p:nvPr/>
+          </p:nvCxnSpPr>
+          <p:spPr>
+            <a:xfrm flipV="1">
+              <a:off x="6813260" y="3736467"/>
+              <a:ext cx="0" cy="892066"/>
+            </a:xfrm>
+            <a:prstGeom prst="straightConnector1">
+              <a:avLst/>
+            </a:prstGeom>
             <a:noFill/>
-            <a:miter lim="400000"/>
-          </a:ln>
-          <a:effectLst/>
-          <a:sp3d/>
-        </p:spPr>
-        <p:style>
-          <a:lnRef idx="0">
-            <a:scrgbClr r="0" g="0" b="0"/>
-          </a:lnRef>
-          <a:fillRef idx="0">
-            <a:scrgbClr r="0" g="0" b="0"/>
-          </a:fillRef>
-          <a:effectRef idx="0">
-            <a:scrgbClr r="0" g="0" b="0"/>
-          </a:effectRef>
-          <a:fontRef idx="none"/>
-        </p:style>
-        <p:txBody>
-          <a:bodyPr rot="0" spcFirstLastPara="1" vertOverflow="overflow" horzOverflow="overflow" vert="horz" wrap="square" lIns="25400" tIns="25400" rIns="25400" bIns="25400" numCol="1" spcCol="38100" rtlCol="0" anchor="ctr">
-            <a:spAutoFit/>
-          </a:bodyPr>
-          <a:lstStyle/>
-          <a:p>
-            <a:pPr algn="ctr" defTabSz="412750" hangingPunct="0"/>
-            <a:r>
-              <a:rPr lang="en-US" sz="1800" dirty="0">
-                <a:solidFill>
-                  <a:srgbClr val="000000"/>
-                </a:solidFill>
-                <a:latin typeface="Amazon Ember" panose="020B0603020204020204" pitchFamily="34" charset="0"/>
-                <a:ea typeface="Amazon Ember" panose="020B0603020204020204" pitchFamily="34" charset="0"/>
-                <a:cs typeface="Amazon Ember" panose="020B0603020204020204" pitchFamily="34" charset="0"/>
-                <a:sym typeface="Helvetica Neue"/>
-              </a:rPr>
-              <a:t>Best fit</a:t>
-            </a:r>
-          </a:p>
-        </p:txBody>
-      </p:sp>
+            <a:ln w="25400" cap="flat">
+              <a:solidFill>
+                <a:srgbClr val="000000"/>
+              </a:solidFill>
+              <a:prstDash val="solid"/>
+              <a:miter lim="400000"/>
+              <a:tailEnd type="triangle"/>
+            </a:ln>
+            <a:effectLst/>
+            <a:sp3d/>
+          </p:spPr>
+          <p:style>
+            <a:lnRef idx="0">
+              <a:scrgbClr r="0" g="0" b="0"/>
+            </a:lnRef>
+            <a:fillRef idx="0">
+              <a:scrgbClr r="0" g="0" b="0"/>
+            </a:fillRef>
+            <a:effectRef idx="0">
+              <a:scrgbClr r="0" g="0" b="0"/>
+            </a:effectRef>
+            <a:fontRef idx="none"/>
+          </p:style>
+        </p:cxnSp>
+        <p:sp>
+          <p:nvSpPr>
+            <p:cNvPr id="8" name="TextBox 7">
+              <a:extLst>
+                <a:ext uri="{FF2B5EF4-FFF2-40B4-BE49-F238E27FC236}">
+                  <a16:creationId xmlns:a16="http://schemas.microsoft.com/office/drawing/2014/main" id="{969F0682-FB65-93E6-4A82-34441396AB4A}"/>
+                </a:ext>
+              </a:extLst>
+            </p:cNvPr>
+            <p:cNvSpPr txBox="1"/>
+            <p:nvPr/>
+          </p:nvSpPr>
+          <p:spPr>
+            <a:xfrm>
+              <a:off x="6333068" y="4605449"/>
+              <a:ext cx="922283" cy="328295"/>
+            </a:xfrm>
+            <a:prstGeom prst="rect">
+              <a:avLst/>
+            </a:prstGeom>
+            <a:noFill/>
+            <a:ln w="12700" cap="flat">
+              <a:noFill/>
+              <a:miter lim="400000"/>
+            </a:ln>
+            <a:effectLst/>
+            <a:sp3d/>
+          </p:spPr>
+          <p:style>
+            <a:lnRef idx="0">
+              <a:scrgbClr r="0" g="0" b="0"/>
+            </a:lnRef>
+            <a:fillRef idx="0">
+              <a:scrgbClr r="0" g="0" b="0"/>
+            </a:fillRef>
+            <a:effectRef idx="0">
+              <a:scrgbClr r="0" g="0" b="0"/>
+            </a:effectRef>
+            <a:fontRef idx="none"/>
+          </p:style>
+          <p:txBody>
+            <a:bodyPr rot="0" spcFirstLastPara="1" vertOverflow="overflow" horzOverflow="overflow" vert="horz" wrap="square" lIns="25400" tIns="25400" rIns="25400" bIns="25400" numCol="1" spcCol="38100" rtlCol="0" anchor="ctr">
+              <a:spAutoFit/>
+            </a:bodyPr>
+            <a:lstStyle/>
+            <a:p>
+              <a:pPr algn="ctr" defTabSz="412750" hangingPunct="0"/>
+              <a:r>
+                <a:rPr lang="en-US" sz="1800" dirty="0">
+                  <a:solidFill>
+                    <a:srgbClr val="000000"/>
+                  </a:solidFill>
+                  <a:latin typeface="Amazon Ember" panose="020B0603020204020204" pitchFamily="34" charset="0"/>
+                  <a:ea typeface="Amazon Ember" panose="020B0603020204020204" pitchFamily="34" charset="0"/>
+                  <a:cs typeface="Amazon Ember" panose="020B0603020204020204" pitchFamily="34" charset="0"/>
+                  <a:sym typeface="Helvetica Neue"/>
+                </a:rPr>
+                <a:t>Best fit</a:t>
+              </a:r>
+            </a:p>
+          </p:txBody>
+        </p:sp>
+      </p:grpSp>
     </p:spTree>
     <p:custDataLst>
       <p:tags r:id="rId1"/>
@@ -13634,8 +13660,8 @@
           </a:p>
         </p:txBody>
       </p:sp>
-      <mc:AlternateContent xmlns:mc="http://schemas.openxmlformats.org/markup-compatibility/2006">
-        <mc:Choice xmlns:a14="http://schemas.microsoft.com/office/drawing/2010/main" Requires="a14">
+      <mc:AlternateContent xmlns:mc="http://schemas.openxmlformats.org/markup-compatibility/2006" xmlns:a14="http://schemas.microsoft.com/office/drawing/2010/main">
+        <mc:Choice Requires="a14">
           <p:sp>
             <p:nvSpPr>
               <p:cNvPr id="3" name="Content Placeholder 2">
@@ -13956,7 +13982,7 @@
             </p:txBody>
           </p:sp>
         </mc:Choice>
-        <mc:Fallback>
+        <mc:Fallback xmlns="">
           <p:sp>
             <p:nvSpPr>
               <p:cNvPr id="3" name="Content Placeholder 2">
@@ -14089,8 +14115,8 @@
           </a:p>
         </p:txBody>
       </p:sp>
-      <mc:AlternateContent xmlns:mc="http://schemas.openxmlformats.org/markup-compatibility/2006">
-        <mc:Choice xmlns:a14="http://schemas.microsoft.com/office/drawing/2010/main" Requires="a14">
+      <mc:AlternateContent xmlns:mc="http://schemas.openxmlformats.org/markup-compatibility/2006" xmlns:a14="http://schemas.microsoft.com/office/drawing/2010/main">
+        <mc:Choice Requires="a14">
           <p:sp>
             <p:nvSpPr>
               <p:cNvPr id="3" name="Content Placeholder 2">
@@ -14335,7 +14361,7 @@
             </p:txBody>
           </p:sp>
         </mc:Choice>
-        <mc:Fallback>
+        <mc:Fallback xmlns="">
           <p:sp>
             <p:nvSpPr>
               <p:cNvPr id="3" name="Content Placeholder 2">
@@ -14694,8 +14720,8 @@
           </a:p>
         </p:txBody>
       </p:sp>
-      <mc:AlternateContent xmlns:mc="http://schemas.openxmlformats.org/markup-compatibility/2006">
-        <mc:Choice xmlns:a14="http://schemas.microsoft.com/office/drawing/2010/main" Requires="a14">
+      <mc:AlternateContent xmlns:mc="http://schemas.openxmlformats.org/markup-compatibility/2006" xmlns:a14="http://schemas.microsoft.com/office/drawing/2010/main">
+        <mc:Choice Requires="a14">
           <p:sp>
             <p:nvSpPr>
               <p:cNvPr id="3" name="Content Placeholder 2">
@@ -15276,7 +15302,7 @@
             </p:txBody>
           </p:sp>
         </mc:Choice>
-        <mc:Fallback>
+        <mc:Fallback xmlns="">
           <p:sp>
             <p:nvSpPr>
               <p:cNvPr id="3" name="Content Placeholder 2">
@@ -15408,8 +15434,8 @@
           </a:p>
         </p:txBody>
       </p:sp>
-      <mc:AlternateContent xmlns:mc="http://schemas.openxmlformats.org/markup-compatibility/2006">
-        <mc:Choice xmlns:a14="http://schemas.microsoft.com/office/drawing/2010/main" Requires="a14">
+      <mc:AlternateContent xmlns:mc="http://schemas.openxmlformats.org/markup-compatibility/2006" xmlns:a14="http://schemas.microsoft.com/office/drawing/2010/main">
+        <mc:Choice Requires="a14">
           <p:sp>
             <p:nvSpPr>
               <p:cNvPr id="3" name="Content Placeholder 2">
@@ -15797,7 +15823,7 @@
             </p:txBody>
           </p:sp>
         </mc:Choice>
-        <mc:Fallback>
+        <mc:Fallback xmlns="">
           <p:sp>
             <p:nvSpPr>
               <p:cNvPr id="3" name="Content Placeholder 2">
